--- a/Presentation.pptx
+++ b/Presentation.pptx
@@ -2,7 +2,7 @@
 <file path=ppt/presentation.xml><?xml version="1.0" encoding="utf-8"?>
 <p:presentation xmlns:a="http://schemas.openxmlformats.org/drawingml/2006/main" xmlns:r="http://schemas.openxmlformats.org/officeDocument/2006/relationships" xmlns:p="http://schemas.openxmlformats.org/presentationml/2006/main" saveSubsetFonts="1">
   <p:sldMasterIdLst>
-    <p:sldMasterId id="2147483648" r:id="rId1"/>
+    <p:sldMasterId id="2147483689" r:id="rId1"/>
   </p:sldMasterIdLst>
   <p:sldIdLst>
     <p:sldId id="256" r:id="rId2"/>
@@ -121,6 +121,18 @@
 </p:presentation>
 </file>
 
+<file path=ppt/commentAuthors.xml><?xml version="1.0" encoding="utf-8"?>
+<p:cmAuthorLst xmlns:a="http://schemas.openxmlformats.org/drawingml/2006/main" xmlns:r="http://schemas.openxmlformats.org/officeDocument/2006/relationships" xmlns:p="http://schemas.openxmlformats.org/presentationml/2006/main">
+  <p:cmAuthor id="1" name="sam jones" initials="sj" lastIdx="1" clrIdx="0">
+    <p:extLst>
+      <p:ext uri="{19B8F6BF-5375-455C-9EA6-DF929625EA0E}">
+        <p15:presenceInfo xmlns:p15="http://schemas.microsoft.com/office/powerpoint/2012/main" userId="3878a3adf2d1ce45" providerId="Windows Live"/>
+      </p:ext>
+    </p:extLst>
+  </p:cmAuthor>
+</p:cmAuthorLst>
+</file>
+
 <file path=ppt/slideLayouts/slideLayout1.xml><?xml version="1.0" encoding="utf-8"?>
 <p:sldLayout xmlns:a="http://schemas.openxmlformats.org/drawingml/2006/main" xmlns:r="http://schemas.openxmlformats.org/officeDocument/2006/relationships" xmlns:p="http://schemas.openxmlformats.org/presentationml/2006/main" type="title" preserve="1">
   <p:cSld name="Title Slide">
@@ -143,7 +155,7 @@
           <p:cNvPr id="2" name="Title 1">
             <a:extLst>
               <a:ext uri="{FF2B5EF4-FFF2-40B4-BE49-F238E27FC236}">
-                <a16:creationId xmlns:a16="http://schemas.microsoft.com/office/drawing/2014/main" id="{71E1B23A-0EC4-49BD-8ACF-65FF30FB6DBA}"/>
+                <a16:creationId xmlns:a16="http://schemas.microsoft.com/office/drawing/2014/main" id="{1B3B4930-D914-4F16-AF10-438E234B2150}"/>
               </a:ext>
             </a:extLst>
           </p:cNvPr>
@@ -181,7 +193,7 @@
           <p:cNvPr id="3" name="Subtitle 2">
             <a:extLst>
               <a:ext uri="{FF2B5EF4-FFF2-40B4-BE49-F238E27FC236}">
-                <a16:creationId xmlns:a16="http://schemas.microsoft.com/office/drawing/2014/main" id="{199964CC-20C5-4BC9-B11E-685BAD76D008}"/>
+                <a16:creationId xmlns:a16="http://schemas.microsoft.com/office/drawing/2014/main" id="{9E700ACE-5CA8-4704-B004-DAC686E4CBE5}"/>
               </a:ext>
             </a:extLst>
           </p:cNvPr>
@@ -252,7 +264,7 @@
           <p:cNvPr id="4" name="Date Placeholder 3">
             <a:extLst>
               <a:ext uri="{FF2B5EF4-FFF2-40B4-BE49-F238E27FC236}">
-                <a16:creationId xmlns:a16="http://schemas.microsoft.com/office/drawing/2014/main" id="{F70AA326-B354-4727-8EFD-1C7EA60CC804}"/>
+                <a16:creationId xmlns:a16="http://schemas.microsoft.com/office/drawing/2014/main" id="{DECCE17C-5E7E-4779-AFD8-0FAAAD9AD638}"/>
               </a:ext>
             </a:extLst>
           </p:cNvPr>
@@ -270,7 +282,7 @@
           <a:p>
             <a:fld id="{7A7F3FFF-AEC9-4F0C-98F7-13672066DC4A}" type="datetimeFigureOut">
               <a:rPr lang="en-GB" smtClean="0"/>
-              <a:t>31/12/2020</a:t>
+              <a:t>01/01/2021</a:t>
             </a:fld>
             <a:endParaRPr lang="en-GB"/>
           </a:p>
@@ -281,7 +293,7 @@
           <p:cNvPr id="5" name="Footer Placeholder 4">
             <a:extLst>
               <a:ext uri="{FF2B5EF4-FFF2-40B4-BE49-F238E27FC236}">
-                <a16:creationId xmlns:a16="http://schemas.microsoft.com/office/drawing/2014/main" id="{62D55471-AB34-491F-B382-4604A214FF99}"/>
+                <a16:creationId xmlns:a16="http://schemas.microsoft.com/office/drawing/2014/main" id="{5EE6228F-AE2F-4E41-956B-CA0ED133C73F}"/>
               </a:ext>
             </a:extLst>
           </p:cNvPr>
@@ -306,7 +318,7 @@
           <p:cNvPr id="6" name="Slide Number Placeholder 5">
             <a:extLst>
               <a:ext uri="{FF2B5EF4-FFF2-40B4-BE49-F238E27FC236}">
-                <a16:creationId xmlns:a16="http://schemas.microsoft.com/office/drawing/2014/main" id="{461C6DFF-FB22-4602-9667-839D3868B6A1}"/>
+                <a16:creationId xmlns:a16="http://schemas.microsoft.com/office/drawing/2014/main" id="{C8C4DFC3-E565-4C39-BF74-2998E9269E81}"/>
               </a:ext>
             </a:extLst>
           </p:cNvPr>
@@ -333,7 +345,7 @@
     </p:spTree>
     <p:extLst>
       <p:ext uri="{BB962C8B-B14F-4D97-AF65-F5344CB8AC3E}">
-        <p14:creationId xmlns:p14="http://schemas.microsoft.com/office/powerpoint/2010/main" val="3003835524"/>
+        <p14:creationId xmlns:p14="http://schemas.microsoft.com/office/powerpoint/2010/main" val="4091839415"/>
       </p:ext>
     </p:extLst>
   </p:cSld>
@@ -365,7 +377,7 @@
           <p:cNvPr id="2" name="Title 1">
             <a:extLst>
               <a:ext uri="{FF2B5EF4-FFF2-40B4-BE49-F238E27FC236}">
-                <a16:creationId xmlns:a16="http://schemas.microsoft.com/office/drawing/2014/main" id="{77E84288-38D0-49CF-9333-8593424E23F3}"/>
+                <a16:creationId xmlns:a16="http://schemas.microsoft.com/office/drawing/2014/main" id="{438C9C4E-0059-41E0-9479-0F9CA96EEFF2}"/>
               </a:ext>
             </a:extLst>
           </p:cNvPr>
@@ -394,7 +406,7 @@
           <p:cNvPr id="3" name="Vertical Text Placeholder 2">
             <a:extLst>
               <a:ext uri="{FF2B5EF4-FFF2-40B4-BE49-F238E27FC236}">
-                <a16:creationId xmlns:a16="http://schemas.microsoft.com/office/drawing/2014/main" id="{76899D33-3C7E-443C-B936-C8E58A838B59}"/>
+                <a16:creationId xmlns:a16="http://schemas.microsoft.com/office/drawing/2014/main" id="{446727DE-5C23-4E88-9F51-2F810BC9AF9F}"/>
               </a:ext>
             </a:extLst>
           </p:cNvPr>
@@ -452,7 +464,7 @@
           <p:cNvPr id="4" name="Date Placeholder 3">
             <a:extLst>
               <a:ext uri="{FF2B5EF4-FFF2-40B4-BE49-F238E27FC236}">
-                <a16:creationId xmlns:a16="http://schemas.microsoft.com/office/drawing/2014/main" id="{8D1EB53C-00BC-4D96-A57A-9EAA7910833A}"/>
+                <a16:creationId xmlns:a16="http://schemas.microsoft.com/office/drawing/2014/main" id="{9C33994A-D065-450D-8933-0DEEBFD3D3C1}"/>
               </a:ext>
             </a:extLst>
           </p:cNvPr>
@@ -470,7 +482,7 @@
           <a:p>
             <a:fld id="{7A7F3FFF-AEC9-4F0C-98F7-13672066DC4A}" type="datetimeFigureOut">
               <a:rPr lang="en-GB" smtClean="0"/>
-              <a:t>31/12/2020</a:t>
+              <a:t>01/01/2021</a:t>
             </a:fld>
             <a:endParaRPr lang="en-GB"/>
           </a:p>
@@ -481,7 +493,7 @@
           <p:cNvPr id="5" name="Footer Placeholder 4">
             <a:extLst>
               <a:ext uri="{FF2B5EF4-FFF2-40B4-BE49-F238E27FC236}">
-                <a16:creationId xmlns:a16="http://schemas.microsoft.com/office/drawing/2014/main" id="{4BB0C33C-C908-47AB-95F5-5BDAC3475D4D}"/>
+                <a16:creationId xmlns:a16="http://schemas.microsoft.com/office/drawing/2014/main" id="{2C6043AA-D7CC-48EF-812D-F455819CB69F}"/>
               </a:ext>
             </a:extLst>
           </p:cNvPr>
@@ -506,7 +518,7 @@
           <p:cNvPr id="6" name="Slide Number Placeholder 5">
             <a:extLst>
               <a:ext uri="{FF2B5EF4-FFF2-40B4-BE49-F238E27FC236}">
-                <a16:creationId xmlns:a16="http://schemas.microsoft.com/office/drawing/2014/main" id="{C0F52014-5BBE-4B74-A082-653F677158DB}"/>
+                <a16:creationId xmlns:a16="http://schemas.microsoft.com/office/drawing/2014/main" id="{4EDF100D-098B-44FF-8F84-DFA3B403D3F4}"/>
               </a:ext>
             </a:extLst>
           </p:cNvPr>
@@ -533,7 +545,7 @@
     </p:spTree>
     <p:extLst>
       <p:ext uri="{BB962C8B-B14F-4D97-AF65-F5344CB8AC3E}">
-        <p14:creationId xmlns:p14="http://schemas.microsoft.com/office/powerpoint/2010/main" val="1288773082"/>
+        <p14:creationId xmlns:p14="http://schemas.microsoft.com/office/powerpoint/2010/main" val="2637694264"/>
       </p:ext>
     </p:extLst>
   </p:cSld>
@@ -565,7 +577,7 @@
           <p:cNvPr id="2" name="Vertical Title 1">
             <a:extLst>
               <a:ext uri="{FF2B5EF4-FFF2-40B4-BE49-F238E27FC236}">
-                <a16:creationId xmlns:a16="http://schemas.microsoft.com/office/drawing/2014/main" id="{DC2AC581-C71E-48C2-B07B-FEF5E4377BE4}"/>
+                <a16:creationId xmlns:a16="http://schemas.microsoft.com/office/drawing/2014/main" id="{0ED63EF8-0EAF-47D9-A4FF-AC7C46654C19}"/>
               </a:ext>
             </a:extLst>
           </p:cNvPr>
@@ -599,7 +611,7 @@
           <p:cNvPr id="3" name="Vertical Text Placeholder 2">
             <a:extLst>
               <a:ext uri="{FF2B5EF4-FFF2-40B4-BE49-F238E27FC236}">
-                <a16:creationId xmlns:a16="http://schemas.microsoft.com/office/drawing/2014/main" id="{273CD864-7154-4A90-A4EA-B6D5EA915BC5}"/>
+                <a16:creationId xmlns:a16="http://schemas.microsoft.com/office/drawing/2014/main" id="{9BFA263C-DABF-4C9A-A7FD-6C988262F998}"/>
               </a:ext>
             </a:extLst>
           </p:cNvPr>
@@ -662,7 +674,7 @@
           <p:cNvPr id="4" name="Date Placeholder 3">
             <a:extLst>
               <a:ext uri="{FF2B5EF4-FFF2-40B4-BE49-F238E27FC236}">
-                <a16:creationId xmlns:a16="http://schemas.microsoft.com/office/drawing/2014/main" id="{897FD950-79C7-4C4B-BBF5-758014C4A914}"/>
+                <a16:creationId xmlns:a16="http://schemas.microsoft.com/office/drawing/2014/main" id="{CD51FAE7-BC83-4703-AA15-900431680938}"/>
               </a:ext>
             </a:extLst>
           </p:cNvPr>
@@ -680,7 +692,7 @@
           <a:p>
             <a:fld id="{7A7F3FFF-AEC9-4F0C-98F7-13672066DC4A}" type="datetimeFigureOut">
               <a:rPr lang="en-GB" smtClean="0"/>
-              <a:t>31/12/2020</a:t>
+              <a:t>01/01/2021</a:t>
             </a:fld>
             <a:endParaRPr lang="en-GB"/>
           </a:p>
@@ -691,7 +703,7 @@
           <p:cNvPr id="5" name="Footer Placeholder 4">
             <a:extLst>
               <a:ext uri="{FF2B5EF4-FFF2-40B4-BE49-F238E27FC236}">
-                <a16:creationId xmlns:a16="http://schemas.microsoft.com/office/drawing/2014/main" id="{41B14FED-DA46-4968-B555-34209315591B}"/>
+                <a16:creationId xmlns:a16="http://schemas.microsoft.com/office/drawing/2014/main" id="{AFC73911-B6AC-4FC0-8F7E-7476EC98F574}"/>
               </a:ext>
             </a:extLst>
           </p:cNvPr>
@@ -716,7 +728,7 @@
           <p:cNvPr id="6" name="Slide Number Placeholder 5">
             <a:extLst>
               <a:ext uri="{FF2B5EF4-FFF2-40B4-BE49-F238E27FC236}">
-                <a16:creationId xmlns:a16="http://schemas.microsoft.com/office/drawing/2014/main" id="{4AD876F3-FAC2-4B84-B376-8DD2A190178F}"/>
+                <a16:creationId xmlns:a16="http://schemas.microsoft.com/office/drawing/2014/main" id="{B376CF5F-BD5B-4DF5-BB01-5E939C0471FD}"/>
               </a:ext>
             </a:extLst>
           </p:cNvPr>
@@ -743,7 +755,7 @@
     </p:spTree>
     <p:extLst>
       <p:ext uri="{BB962C8B-B14F-4D97-AF65-F5344CB8AC3E}">
-        <p14:creationId xmlns:p14="http://schemas.microsoft.com/office/powerpoint/2010/main" val="2996357890"/>
+        <p14:creationId xmlns:p14="http://schemas.microsoft.com/office/powerpoint/2010/main" val="3659907964"/>
       </p:ext>
     </p:extLst>
   </p:cSld>
@@ -775,7 +787,7 @@
           <p:cNvPr id="2" name="Title 1">
             <a:extLst>
               <a:ext uri="{FF2B5EF4-FFF2-40B4-BE49-F238E27FC236}">
-                <a16:creationId xmlns:a16="http://schemas.microsoft.com/office/drawing/2014/main" id="{0CCB2647-7362-45E2-AA95-2FDEB8CDB684}"/>
+                <a16:creationId xmlns:a16="http://schemas.microsoft.com/office/drawing/2014/main" id="{29A97948-BC2F-488E-BF34-40188B62BA02}"/>
               </a:ext>
             </a:extLst>
           </p:cNvPr>
@@ -804,7 +816,7 @@
           <p:cNvPr id="3" name="Content Placeholder 2">
             <a:extLst>
               <a:ext uri="{FF2B5EF4-FFF2-40B4-BE49-F238E27FC236}">
-                <a16:creationId xmlns:a16="http://schemas.microsoft.com/office/drawing/2014/main" id="{3C0E0B4F-171A-4B7C-9B4B-E52D986811AF}"/>
+                <a16:creationId xmlns:a16="http://schemas.microsoft.com/office/drawing/2014/main" id="{1989C17B-DFE1-45DF-82CE-655EFD9D0C74}"/>
               </a:ext>
             </a:extLst>
           </p:cNvPr>
@@ -862,7 +874,7 @@
           <p:cNvPr id="4" name="Date Placeholder 3">
             <a:extLst>
               <a:ext uri="{FF2B5EF4-FFF2-40B4-BE49-F238E27FC236}">
-                <a16:creationId xmlns:a16="http://schemas.microsoft.com/office/drawing/2014/main" id="{7DA98288-1993-47F5-B5CA-4E3BE933E4EB}"/>
+                <a16:creationId xmlns:a16="http://schemas.microsoft.com/office/drawing/2014/main" id="{11DA3E20-BC28-4656-B3C9-5B91BD19DE02}"/>
               </a:ext>
             </a:extLst>
           </p:cNvPr>
@@ -880,7 +892,7 @@
           <a:p>
             <a:fld id="{7A7F3FFF-AEC9-4F0C-98F7-13672066DC4A}" type="datetimeFigureOut">
               <a:rPr lang="en-GB" smtClean="0"/>
-              <a:t>31/12/2020</a:t>
+              <a:t>01/01/2021</a:t>
             </a:fld>
             <a:endParaRPr lang="en-GB"/>
           </a:p>
@@ -891,7 +903,7 @@
           <p:cNvPr id="5" name="Footer Placeholder 4">
             <a:extLst>
               <a:ext uri="{FF2B5EF4-FFF2-40B4-BE49-F238E27FC236}">
-                <a16:creationId xmlns:a16="http://schemas.microsoft.com/office/drawing/2014/main" id="{6F435E34-5D90-4EF6-9473-D17A140372F5}"/>
+                <a16:creationId xmlns:a16="http://schemas.microsoft.com/office/drawing/2014/main" id="{B1068BFD-DA3C-428C-B704-FE7DBE86036B}"/>
               </a:ext>
             </a:extLst>
           </p:cNvPr>
@@ -916,7 +928,7 @@
           <p:cNvPr id="6" name="Slide Number Placeholder 5">
             <a:extLst>
               <a:ext uri="{FF2B5EF4-FFF2-40B4-BE49-F238E27FC236}">
-                <a16:creationId xmlns:a16="http://schemas.microsoft.com/office/drawing/2014/main" id="{EE44D4D2-DECC-405C-B7F4-D01F49521A3C}"/>
+                <a16:creationId xmlns:a16="http://schemas.microsoft.com/office/drawing/2014/main" id="{3CDDBD10-89F3-415E-A4F0-27A7F468875F}"/>
               </a:ext>
             </a:extLst>
           </p:cNvPr>
@@ -943,7 +955,7 @@
     </p:spTree>
     <p:extLst>
       <p:ext uri="{BB962C8B-B14F-4D97-AF65-F5344CB8AC3E}">
-        <p14:creationId xmlns:p14="http://schemas.microsoft.com/office/powerpoint/2010/main" val="2604259118"/>
+        <p14:creationId xmlns:p14="http://schemas.microsoft.com/office/powerpoint/2010/main" val="1459273531"/>
       </p:ext>
     </p:extLst>
   </p:cSld>
@@ -975,7 +987,7 @@
           <p:cNvPr id="2" name="Title 1">
             <a:extLst>
               <a:ext uri="{FF2B5EF4-FFF2-40B4-BE49-F238E27FC236}">
-                <a16:creationId xmlns:a16="http://schemas.microsoft.com/office/drawing/2014/main" id="{015D74E6-2F3F-4F8D-9A90-FAE68CC623DE}"/>
+                <a16:creationId xmlns:a16="http://schemas.microsoft.com/office/drawing/2014/main" id="{DDD8CD2D-6658-49FC-BDF8-0206EDBB8038}"/>
               </a:ext>
             </a:extLst>
           </p:cNvPr>
@@ -1013,7 +1025,7 @@
           <p:cNvPr id="3" name="Text Placeholder 2">
             <a:extLst>
               <a:ext uri="{FF2B5EF4-FFF2-40B4-BE49-F238E27FC236}">
-                <a16:creationId xmlns:a16="http://schemas.microsoft.com/office/drawing/2014/main" id="{146202D4-CD6F-4595-A1BA-B294DCD211F9}"/>
+                <a16:creationId xmlns:a16="http://schemas.microsoft.com/office/drawing/2014/main" id="{3B3E01DF-5606-42F9-8FDD-4623800D0156}"/>
               </a:ext>
             </a:extLst>
           </p:cNvPr>
@@ -1138,7 +1150,7 @@
           <p:cNvPr id="4" name="Date Placeholder 3">
             <a:extLst>
               <a:ext uri="{FF2B5EF4-FFF2-40B4-BE49-F238E27FC236}">
-                <a16:creationId xmlns:a16="http://schemas.microsoft.com/office/drawing/2014/main" id="{F21FAE9B-CF2C-4985-ADD2-38A3674E7D41}"/>
+                <a16:creationId xmlns:a16="http://schemas.microsoft.com/office/drawing/2014/main" id="{CCA631F6-21C7-46AF-B61B-A863E7586DBC}"/>
               </a:ext>
             </a:extLst>
           </p:cNvPr>
@@ -1156,7 +1168,7 @@
           <a:p>
             <a:fld id="{7A7F3FFF-AEC9-4F0C-98F7-13672066DC4A}" type="datetimeFigureOut">
               <a:rPr lang="en-GB" smtClean="0"/>
-              <a:t>31/12/2020</a:t>
+              <a:t>01/01/2021</a:t>
             </a:fld>
             <a:endParaRPr lang="en-GB"/>
           </a:p>
@@ -1167,7 +1179,7 @@
           <p:cNvPr id="5" name="Footer Placeholder 4">
             <a:extLst>
               <a:ext uri="{FF2B5EF4-FFF2-40B4-BE49-F238E27FC236}">
-                <a16:creationId xmlns:a16="http://schemas.microsoft.com/office/drawing/2014/main" id="{B1FACD2F-409A-402E-9B4E-C997BEAE3FCE}"/>
+                <a16:creationId xmlns:a16="http://schemas.microsoft.com/office/drawing/2014/main" id="{FCB5B44E-12BB-4508-A34A-61CF43E38DC5}"/>
               </a:ext>
             </a:extLst>
           </p:cNvPr>
@@ -1192,7 +1204,7 @@
           <p:cNvPr id="6" name="Slide Number Placeholder 5">
             <a:extLst>
               <a:ext uri="{FF2B5EF4-FFF2-40B4-BE49-F238E27FC236}">
-                <a16:creationId xmlns:a16="http://schemas.microsoft.com/office/drawing/2014/main" id="{1757D78D-4DFE-4880-B301-BA56FABDFF93}"/>
+                <a16:creationId xmlns:a16="http://schemas.microsoft.com/office/drawing/2014/main" id="{A5CEA2F1-817D-45F9-B463-1FE0130B8A50}"/>
               </a:ext>
             </a:extLst>
           </p:cNvPr>
@@ -1219,7 +1231,7 @@
     </p:spTree>
     <p:extLst>
       <p:ext uri="{BB962C8B-B14F-4D97-AF65-F5344CB8AC3E}">
-        <p14:creationId xmlns:p14="http://schemas.microsoft.com/office/powerpoint/2010/main" val="1454983754"/>
+        <p14:creationId xmlns:p14="http://schemas.microsoft.com/office/powerpoint/2010/main" val="1935290290"/>
       </p:ext>
     </p:extLst>
   </p:cSld>
@@ -1251,7 +1263,7 @@
           <p:cNvPr id="2" name="Title 1">
             <a:extLst>
               <a:ext uri="{FF2B5EF4-FFF2-40B4-BE49-F238E27FC236}">
-                <a16:creationId xmlns:a16="http://schemas.microsoft.com/office/drawing/2014/main" id="{EF99AC6E-A2F0-4F2B-A592-C5485A11E077}"/>
+                <a16:creationId xmlns:a16="http://schemas.microsoft.com/office/drawing/2014/main" id="{23D5D706-4158-4BFE-9CED-64ED048E9150}"/>
               </a:ext>
             </a:extLst>
           </p:cNvPr>
@@ -1280,7 +1292,7 @@
           <p:cNvPr id="3" name="Content Placeholder 2">
             <a:extLst>
               <a:ext uri="{FF2B5EF4-FFF2-40B4-BE49-F238E27FC236}">
-                <a16:creationId xmlns:a16="http://schemas.microsoft.com/office/drawing/2014/main" id="{E83AE109-B0B8-469D-8982-64E8A50CA80B}"/>
+                <a16:creationId xmlns:a16="http://schemas.microsoft.com/office/drawing/2014/main" id="{8A9B1C58-58BA-41B1-8F76-5661E16ACD7A}"/>
               </a:ext>
             </a:extLst>
           </p:cNvPr>
@@ -1343,7 +1355,7 @@
           <p:cNvPr id="4" name="Content Placeholder 3">
             <a:extLst>
               <a:ext uri="{FF2B5EF4-FFF2-40B4-BE49-F238E27FC236}">
-                <a16:creationId xmlns:a16="http://schemas.microsoft.com/office/drawing/2014/main" id="{3CF7000E-C6D8-4852-B2B1-FB2F09F24A60}"/>
+                <a16:creationId xmlns:a16="http://schemas.microsoft.com/office/drawing/2014/main" id="{B1797ED7-17B8-4ED2-A893-287FFD95AA21}"/>
               </a:ext>
             </a:extLst>
           </p:cNvPr>
@@ -1406,7 +1418,7 @@
           <p:cNvPr id="5" name="Date Placeholder 4">
             <a:extLst>
               <a:ext uri="{FF2B5EF4-FFF2-40B4-BE49-F238E27FC236}">
-                <a16:creationId xmlns:a16="http://schemas.microsoft.com/office/drawing/2014/main" id="{385C3227-6D29-492E-8949-A40BD28FFB65}"/>
+                <a16:creationId xmlns:a16="http://schemas.microsoft.com/office/drawing/2014/main" id="{3795C473-3823-48C4-99D9-CB8C0EBB481E}"/>
               </a:ext>
             </a:extLst>
           </p:cNvPr>
@@ -1424,7 +1436,7 @@
           <a:p>
             <a:fld id="{7A7F3FFF-AEC9-4F0C-98F7-13672066DC4A}" type="datetimeFigureOut">
               <a:rPr lang="en-GB" smtClean="0"/>
-              <a:t>31/12/2020</a:t>
+              <a:t>01/01/2021</a:t>
             </a:fld>
             <a:endParaRPr lang="en-GB"/>
           </a:p>
@@ -1435,7 +1447,7 @@
           <p:cNvPr id="6" name="Footer Placeholder 5">
             <a:extLst>
               <a:ext uri="{FF2B5EF4-FFF2-40B4-BE49-F238E27FC236}">
-                <a16:creationId xmlns:a16="http://schemas.microsoft.com/office/drawing/2014/main" id="{AE46464B-E62A-4192-8887-F612294E4519}"/>
+                <a16:creationId xmlns:a16="http://schemas.microsoft.com/office/drawing/2014/main" id="{082431AB-001F-43BA-9C30-7EC8F5FFF927}"/>
               </a:ext>
             </a:extLst>
           </p:cNvPr>
@@ -1460,7 +1472,7 @@
           <p:cNvPr id="7" name="Slide Number Placeholder 6">
             <a:extLst>
               <a:ext uri="{FF2B5EF4-FFF2-40B4-BE49-F238E27FC236}">
-                <a16:creationId xmlns:a16="http://schemas.microsoft.com/office/drawing/2014/main" id="{47C3050C-95E7-4DF3-B072-8E31A76E08BA}"/>
+                <a16:creationId xmlns:a16="http://schemas.microsoft.com/office/drawing/2014/main" id="{2D1D888D-224A-4274-9314-CBB0EF240E5A}"/>
               </a:ext>
             </a:extLst>
           </p:cNvPr>
@@ -1487,7 +1499,7 @@
     </p:spTree>
     <p:extLst>
       <p:ext uri="{BB962C8B-B14F-4D97-AF65-F5344CB8AC3E}">
-        <p14:creationId xmlns:p14="http://schemas.microsoft.com/office/powerpoint/2010/main" val="3702296640"/>
+        <p14:creationId xmlns:p14="http://schemas.microsoft.com/office/powerpoint/2010/main" val="1800511094"/>
       </p:ext>
     </p:extLst>
   </p:cSld>
@@ -1519,7 +1531,7 @@
           <p:cNvPr id="2" name="Title 1">
             <a:extLst>
               <a:ext uri="{FF2B5EF4-FFF2-40B4-BE49-F238E27FC236}">
-                <a16:creationId xmlns:a16="http://schemas.microsoft.com/office/drawing/2014/main" id="{9A4B544D-E129-47A4-85F3-6C597E7A0050}"/>
+                <a16:creationId xmlns:a16="http://schemas.microsoft.com/office/drawing/2014/main" id="{D3D83F91-BC3C-4448-BF17-41BD54814726}"/>
               </a:ext>
             </a:extLst>
           </p:cNvPr>
@@ -1553,7 +1565,7 @@
           <p:cNvPr id="3" name="Text Placeholder 2">
             <a:extLst>
               <a:ext uri="{FF2B5EF4-FFF2-40B4-BE49-F238E27FC236}">
-                <a16:creationId xmlns:a16="http://schemas.microsoft.com/office/drawing/2014/main" id="{5F55D6C7-9C86-4D6A-BA0D-08A5BE5E97C6}"/>
+                <a16:creationId xmlns:a16="http://schemas.microsoft.com/office/drawing/2014/main" id="{EBAE0609-D5FE-438E-89C1-3C2A8A530593}"/>
               </a:ext>
             </a:extLst>
           </p:cNvPr>
@@ -1624,7 +1636,7 @@
           <p:cNvPr id="4" name="Content Placeholder 3">
             <a:extLst>
               <a:ext uri="{FF2B5EF4-FFF2-40B4-BE49-F238E27FC236}">
-                <a16:creationId xmlns:a16="http://schemas.microsoft.com/office/drawing/2014/main" id="{953B7608-0646-4168-873D-4E30CCA4A9E5}"/>
+                <a16:creationId xmlns:a16="http://schemas.microsoft.com/office/drawing/2014/main" id="{61B65D38-2FCB-48E8-AAAC-72A297B67EC2}"/>
               </a:ext>
             </a:extLst>
           </p:cNvPr>
@@ -1687,7 +1699,7 @@
           <p:cNvPr id="5" name="Text Placeholder 4">
             <a:extLst>
               <a:ext uri="{FF2B5EF4-FFF2-40B4-BE49-F238E27FC236}">
-                <a16:creationId xmlns:a16="http://schemas.microsoft.com/office/drawing/2014/main" id="{17A92FFC-7475-4027-B13A-763632485FED}"/>
+                <a16:creationId xmlns:a16="http://schemas.microsoft.com/office/drawing/2014/main" id="{D176890F-07AB-4A45-813C-C2D1FCCD8220}"/>
               </a:ext>
             </a:extLst>
           </p:cNvPr>
@@ -1758,7 +1770,7 @@
           <p:cNvPr id="6" name="Content Placeholder 5">
             <a:extLst>
               <a:ext uri="{FF2B5EF4-FFF2-40B4-BE49-F238E27FC236}">
-                <a16:creationId xmlns:a16="http://schemas.microsoft.com/office/drawing/2014/main" id="{443BD3DD-04A8-49A6-8A92-8A8735FA93CC}"/>
+                <a16:creationId xmlns:a16="http://schemas.microsoft.com/office/drawing/2014/main" id="{96248960-690D-4266-B865-A1E095C9D52C}"/>
               </a:ext>
             </a:extLst>
           </p:cNvPr>
@@ -1821,7 +1833,7 @@
           <p:cNvPr id="7" name="Date Placeholder 6">
             <a:extLst>
               <a:ext uri="{FF2B5EF4-FFF2-40B4-BE49-F238E27FC236}">
-                <a16:creationId xmlns:a16="http://schemas.microsoft.com/office/drawing/2014/main" id="{B9C15847-35C7-498E-9FA4-C3B824ADA1F7}"/>
+                <a16:creationId xmlns:a16="http://schemas.microsoft.com/office/drawing/2014/main" id="{4BB4A3A2-B7F8-453E-8A6D-4537EA2E858B}"/>
               </a:ext>
             </a:extLst>
           </p:cNvPr>
@@ -1839,7 +1851,7 @@
           <a:p>
             <a:fld id="{7A7F3FFF-AEC9-4F0C-98F7-13672066DC4A}" type="datetimeFigureOut">
               <a:rPr lang="en-GB" smtClean="0"/>
-              <a:t>31/12/2020</a:t>
+              <a:t>01/01/2021</a:t>
             </a:fld>
             <a:endParaRPr lang="en-GB"/>
           </a:p>
@@ -1850,7 +1862,7 @@
           <p:cNvPr id="8" name="Footer Placeholder 7">
             <a:extLst>
               <a:ext uri="{FF2B5EF4-FFF2-40B4-BE49-F238E27FC236}">
-                <a16:creationId xmlns:a16="http://schemas.microsoft.com/office/drawing/2014/main" id="{FBCEC1AD-0817-4793-AACF-6FE4C9A34FD8}"/>
+                <a16:creationId xmlns:a16="http://schemas.microsoft.com/office/drawing/2014/main" id="{51D44E66-0BD0-4552-8738-BD5E81A0159B}"/>
               </a:ext>
             </a:extLst>
           </p:cNvPr>
@@ -1875,7 +1887,7 @@
           <p:cNvPr id="9" name="Slide Number Placeholder 8">
             <a:extLst>
               <a:ext uri="{FF2B5EF4-FFF2-40B4-BE49-F238E27FC236}">
-                <a16:creationId xmlns:a16="http://schemas.microsoft.com/office/drawing/2014/main" id="{2DE18E73-352A-4719-8F04-9D864160399F}"/>
+                <a16:creationId xmlns:a16="http://schemas.microsoft.com/office/drawing/2014/main" id="{C785EDD9-5D9D-418C-8BAB-435FA76BEAE1}"/>
               </a:ext>
             </a:extLst>
           </p:cNvPr>
@@ -1902,7 +1914,7 @@
     </p:spTree>
     <p:extLst>
       <p:ext uri="{BB962C8B-B14F-4D97-AF65-F5344CB8AC3E}">
-        <p14:creationId xmlns:p14="http://schemas.microsoft.com/office/powerpoint/2010/main" val="1196170338"/>
+        <p14:creationId xmlns:p14="http://schemas.microsoft.com/office/powerpoint/2010/main" val="1540920907"/>
       </p:ext>
     </p:extLst>
   </p:cSld>
@@ -1934,7 +1946,7 @@
           <p:cNvPr id="2" name="Title 1">
             <a:extLst>
               <a:ext uri="{FF2B5EF4-FFF2-40B4-BE49-F238E27FC236}">
-                <a16:creationId xmlns:a16="http://schemas.microsoft.com/office/drawing/2014/main" id="{E2EDF465-213C-43E0-9BE3-45B88EA108CD}"/>
+                <a16:creationId xmlns:a16="http://schemas.microsoft.com/office/drawing/2014/main" id="{8A373D51-6973-429D-B3FA-4A64C17FCABF}"/>
               </a:ext>
             </a:extLst>
           </p:cNvPr>
@@ -1963,7 +1975,7 @@
           <p:cNvPr id="3" name="Date Placeholder 2">
             <a:extLst>
               <a:ext uri="{FF2B5EF4-FFF2-40B4-BE49-F238E27FC236}">
-                <a16:creationId xmlns:a16="http://schemas.microsoft.com/office/drawing/2014/main" id="{D857F9CD-37CA-46C8-A130-A9290FB1CD77}"/>
+                <a16:creationId xmlns:a16="http://schemas.microsoft.com/office/drawing/2014/main" id="{1B35969C-1652-4684-A11B-27810E5603C3}"/>
               </a:ext>
             </a:extLst>
           </p:cNvPr>
@@ -1981,7 +1993,7 @@
           <a:p>
             <a:fld id="{7A7F3FFF-AEC9-4F0C-98F7-13672066DC4A}" type="datetimeFigureOut">
               <a:rPr lang="en-GB" smtClean="0"/>
-              <a:t>31/12/2020</a:t>
+              <a:t>01/01/2021</a:t>
             </a:fld>
             <a:endParaRPr lang="en-GB"/>
           </a:p>
@@ -1992,7 +2004,7 @@
           <p:cNvPr id="4" name="Footer Placeholder 3">
             <a:extLst>
               <a:ext uri="{FF2B5EF4-FFF2-40B4-BE49-F238E27FC236}">
-                <a16:creationId xmlns:a16="http://schemas.microsoft.com/office/drawing/2014/main" id="{B3F12634-290D-4175-9CBC-DCECF576BF23}"/>
+                <a16:creationId xmlns:a16="http://schemas.microsoft.com/office/drawing/2014/main" id="{1B812B2A-CF9A-490E-A370-63826BBFDE70}"/>
               </a:ext>
             </a:extLst>
           </p:cNvPr>
@@ -2017,7 +2029,7 @@
           <p:cNvPr id="5" name="Slide Number Placeholder 4">
             <a:extLst>
               <a:ext uri="{FF2B5EF4-FFF2-40B4-BE49-F238E27FC236}">
-                <a16:creationId xmlns:a16="http://schemas.microsoft.com/office/drawing/2014/main" id="{DBA3438A-A545-41BB-B885-D5972BD3931C}"/>
+                <a16:creationId xmlns:a16="http://schemas.microsoft.com/office/drawing/2014/main" id="{58E00BFD-4859-4F03-89D5-71EFDC76C1A3}"/>
               </a:ext>
             </a:extLst>
           </p:cNvPr>
@@ -2044,7 +2056,7 @@
     </p:spTree>
     <p:extLst>
       <p:ext uri="{BB962C8B-B14F-4D97-AF65-F5344CB8AC3E}">
-        <p14:creationId xmlns:p14="http://schemas.microsoft.com/office/powerpoint/2010/main" val="949198101"/>
+        <p14:creationId xmlns:p14="http://schemas.microsoft.com/office/powerpoint/2010/main" val="1169689158"/>
       </p:ext>
     </p:extLst>
   </p:cSld>
@@ -2076,7 +2088,7 @@
           <p:cNvPr id="2" name="Date Placeholder 1">
             <a:extLst>
               <a:ext uri="{FF2B5EF4-FFF2-40B4-BE49-F238E27FC236}">
-                <a16:creationId xmlns:a16="http://schemas.microsoft.com/office/drawing/2014/main" id="{7A69E144-59CF-48FD-B7B1-EC6944EC5615}"/>
+                <a16:creationId xmlns:a16="http://schemas.microsoft.com/office/drawing/2014/main" id="{BD9358AF-DE56-422D-80FB-AE3ADD778BF0}"/>
               </a:ext>
             </a:extLst>
           </p:cNvPr>
@@ -2094,7 +2106,7 @@
           <a:p>
             <a:fld id="{7A7F3FFF-AEC9-4F0C-98F7-13672066DC4A}" type="datetimeFigureOut">
               <a:rPr lang="en-GB" smtClean="0"/>
-              <a:t>31/12/2020</a:t>
+              <a:t>01/01/2021</a:t>
             </a:fld>
             <a:endParaRPr lang="en-GB"/>
           </a:p>
@@ -2105,7 +2117,7 @@
           <p:cNvPr id="3" name="Footer Placeholder 2">
             <a:extLst>
               <a:ext uri="{FF2B5EF4-FFF2-40B4-BE49-F238E27FC236}">
-                <a16:creationId xmlns:a16="http://schemas.microsoft.com/office/drawing/2014/main" id="{A0F9D16C-C1A6-4074-9D4D-CC7B643095B5}"/>
+                <a16:creationId xmlns:a16="http://schemas.microsoft.com/office/drawing/2014/main" id="{BE2F1EE3-698A-40F4-9021-4685953F4DC1}"/>
               </a:ext>
             </a:extLst>
           </p:cNvPr>
@@ -2130,7 +2142,7 @@
           <p:cNvPr id="4" name="Slide Number Placeholder 3">
             <a:extLst>
               <a:ext uri="{FF2B5EF4-FFF2-40B4-BE49-F238E27FC236}">
-                <a16:creationId xmlns:a16="http://schemas.microsoft.com/office/drawing/2014/main" id="{C7DEB43E-3E03-4585-9913-3ACF265C42B9}"/>
+                <a16:creationId xmlns:a16="http://schemas.microsoft.com/office/drawing/2014/main" id="{36A462F6-3465-4EEC-9F61-C13BD7B7D872}"/>
               </a:ext>
             </a:extLst>
           </p:cNvPr>
@@ -2157,7 +2169,7 @@
     </p:spTree>
     <p:extLst>
       <p:ext uri="{BB962C8B-B14F-4D97-AF65-F5344CB8AC3E}">
-        <p14:creationId xmlns:p14="http://schemas.microsoft.com/office/powerpoint/2010/main" val="1611395232"/>
+        <p14:creationId xmlns:p14="http://schemas.microsoft.com/office/powerpoint/2010/main" val="1485197199"/>
       </p:ext>
     </p:extLst>
   </p:cSld>
@@ -2189,7 +2201,7 @@
           <p:cNvPr id="2" name="Title 1">
             <a:extLst>
               <a:ext uri="{FF2B5EF4-FFF2-40B4-BE49-F238E27FC236}">
-                <a16:creationId xmlns:a16="http://schemas.microsoft.com/office/drawing/2014/main" id="{26C35F16-E51B-428D-BA89-16B72EADF2AA}"/>
+                <a16:creationId xmlns:a16="http://schemas.microsoft.com/office/drawing/2014/main" id="{F4297270-7740-43E6-8001-5096C087858D}"/>
               </a:ext>
             </a:extLst>
           </p:cNvPr>
@@ -2227,7 +2239,7 @@
           <p:cNvPr id="3" name="Content Placeholder 2">
             <a:extLst>
               <a:ext uri="{FF2B5EF4-FFF2-40B4-BE49-F238E27FC236}">
-                <a16:creationId xmlns:a16="http://schemas.microsoft.com/office/drawing/2014/main" id="{382FC56C-B691-4862-89E3-13AEFA99A065}"/>
+                <a16:creationId xmlns:a16="http://schemas.microsoft.com/office/drawing/2014/main" id="{4D69009D-09A1-4DA3-AEF4-35C8A5848481}"/>
               </a:ext>
             </a:extLst>
           </p:cNvPr>
@@ -2318,7 +2330,7 @@
           <p:cNvPr id="4" name="Text Placeholder 3">
             <a:extLst>
               <a:ext uri="{FF2B5EF4-FFF2-40B4-BE49-F238E27FC236}">
-                <a16:creationId xmlns:a16="http://schemas.microsoft.com/office/drawing/2014/main" id="{7DEC02FF-705E-4D99-84EF-02FD2EE7C22A}"/>
+                <a16:creationId xmlns:a16="http://schemas.microsoft.com/office/drawing/2014/main" id="{41668546-ABC7-49CB-B7D7-A045DF5F5336}"/>
               </a:ext>
             </a:extLst>
           </p:cNvPr>
@@ -2389,7 +2401,7 @@
           <p:cNvPr id="5" name="Date Placeholder 4">
             <a:extLst>
               <a:ext uri="{FF2B5EF4-FFF2-40B4-BE49-F238E27FC236}">
-                <a16:creationId xmlns:a16="http://schemas.microsoft.com/office/drawing/2014/main" id="{51A96845-669A-44EC-BFF4-6CD661D23C3E}"/>
+                <a16:creationId xmlns:a16="http://schemas.microsoft.com/office/drawing/2014/main" id="{5F898794-349E-4083-B705-AFA6C044650D}"/>
               </a:ext>
             </a:extLst>
           </p:cNvPr>
@@ -2407,7 +2419,7 @@
           <a:p>
             <a:fld id="{7A7F3FFF-AEC9-4F0C-98F7-13672066DC4A}" type="datetimeFigureOut">
               <a:rPr lang="en-GB" smtClean="0"/>
-              <a:t>31/12/2020</a:t>
+              <a:t>01/01/2021</a:t>
             </a:fld>
             <a:endParaRPr lang="en-GB"/>
           </a:p>
@@ -2418,7 +2430,7 @@
           <p:cNvPr id="6" name="Footer Placeholder 5">
             <a:extLst>
               <a:ext uri="{FF2B5EF4-FFF2-40B4-BE49-F238E27FC236}">
-                <a16:creationId xmlns:a16="http://schemas.microsoft.com/office/drawing/2014/main" id="{AD366307-90B2-452E-BAA6-AA8493C561DF}"/>
+                <a16:creationId xmlns:a16="http://schemas.microsoft.com/office/drawing/2014/main" id="{FB6587AC-EA4A-4E92-93C0-1FDA75D79740}"/>
               </a:ext>
             </a:extLst>
           </p:cNvPr>
@@ -2443,7 +2455,7 @@
           <p:cNvPr id="7" name="Slide Number Placeholder 6">
             <a:extLst>
               <a:ext uri="{FF2B5EF4-FFF2-40B4-BE49-F238E27FC236}">
-                <a16:creationId xmlns:a16="http://schemas.microsoft.com/office/drawing/2014/main" id="{609EADEB-235C-4247-9A1D-308BEB34EF23}"/>
+                <a16:creationId xmlns:a16="http://schemas.microsoft.com/office/drawing/2014/main" id="{403DAF01-A827-4728-8981-64805BC11370}"/>
               </a:ext>
             </a:extLst>
           </p:cNvPr>
@@ -2470,7 +2482,7 @@
     </p:spTree>
     <p:extLst>
       <p:ext uri="{BB962C8B-B14F-4D97-AF65-F5344CB8AC3E}">
-        <p14:creationId xmlns:p14="http://schemas.microsoft.com/office/powerpoint/2010/main" val="1406111713"/>
+        <p14:creationId xmlns:p14="http://schemas.microsoft.com/office/powerpoint/2010/main" val="2767266444"/>
       </p:ext>
     </p:extLst>
   </p:cSld>
@@ -2502,7 +2514,7 @@
           <p:cNvPr id="2" name="Title 1">
             <a:extLst>
               <a:ext uri="{FF2B5EF4-FFF2-40B4-BE49-F238E27FC236}">
-                <a16:creationId xmlns:a16="http://schemas.microsoft.com/office/drawing/2014/main" id="{C1B815FA-2DE4-491F-8F0D-7F021BC0EB9C}"/>
+                <a16:creationId xmlns:a16="http://schemas.microsoft.com/office/drawing/2014/main" id="{3A7914B8-CC36-4578-BA03-C7493B8FAD70}"/>
               </a:ext>
             </a:extLst>
           </p:cNvPr>
@@ -2540,7 +2552,7 @@
           <p:cNvPr id="3" name="Picture Placeholder 2">
             <a:extLst>
               <a:ext uri="{FF2B5EF4-FFF2-40B4-BE49-F238E27FC236}">
-                <a16:creationId xmlns:a16="http://schemas.microsoft.com/office/drawing/2014/main" id="{334CAD29-8905-4747-9CE9-70419CB038AF}"/>
+                <a16:creationId xmlns:a16="http://schemas.microsoft.com/office/drawing/2014/main" id="{EF5FC4F5-9F5B-4651-9600-DB3E90BA4381}"/>
               </a:ext>
             </a:extLst>
           </p:cNvPr>
@@ -2607,7 +2619,7 @@
           <p:cNvPr id="4" name="Text Placeholder 3">
             <a:extLst>
               <a:ext uri="{FF2B5EF4-FFF2-40B4-BE49-F238E27FC236}">
-                <a16:creationId xmlns:a16="http://schemas.microsoft.com/office/drawing/2014/main" id="{E0CF7369-5957-4960-ADA3-5B14C67ACF7D}"/>
+                <a16:creationId xmlns:a16="http://schemas.microsoft.com/office/drawing/2014/main" id="{75BC610D-5B69-48F1-ACD9-64A891505F41}"/>
               </a:ext>
             </a:extLst>
           </p:cNvPr>
@@ -2678,7 +2690,7 @@
           <p:cNvPr id="5" name="Date Placeholder 4">
             <a:extLst>
               <a:ext uri="{FF2B5EF4-FFF2-40B4-BE49-F238E27FC236}">
-                <a16:creationId xmlns:a16="http://schemas.microsoft.com/office/drawing/2014/main" id="{A400C27A-53BE-4C45-8447-BBC682C2713C}"/>
+                <a16:creationId xmlns:a16="http://schemas.microsoft.com/office/drawing/2014/main" id="{9C1A691A-EDF4-49EC-ADC5-7CB29920594E}"/>
               </a:ext>
             </a:extLst>
           </p:cNvPr>
@@ -2696,7 +2708,7 @@
           <a:p>
             <a:fld id="{7A7F3FFF-AEC9-4F0C-98F7-13672066DC4A}" type="datetimeFigureOut">
               <a:rPr lang="en-GB" smtClean="0"/>
-              <a:t>31/12/2020</a:t>
+              <a:t>01/01/2021</a:t>
             </a:fld>
             <a:endParaRPr lang="en-GB"/>
           </a:p>
@@ -2707,7 +2719,7 @@
           <p:cNvPr id="6" name="Footer Placeholder 5">
             <a:extLst>
               <a:ext uri="{FF2B5EF4-FFF2-40B4-BE49-F238E27FC236}">
-                <a16:creationId xmlns:a16="http://schemas.microsoft.com/office/drawing/2014/main" id="{4DF3DA52-232A-412D-A639-CD351166B66D}"/>
+                <a16:creationId xmlns:a16="http://schemas.microsoft.com/office/drawing/2014/main" id="{166F26B8-4E42-427B-B66D-03B0ADEEA303}"/>
               </a:ext>
             </a:extLst>
           </p:cNvPr>
@@ -2732,7 +2744,7 @@
           <p:cNvPr id="7" name="Slide Number Placeholder 6">
             <a:extLst>
               <a:ext uri="{FF2B5EF4-FFF2-40B4-BE49-F238E27FC236}">
-                <a16:creationId xmlns:a16="http://schemas.microsoft.com/office/drawing/2014/main" id="{8F56B0E1-CB39-49FF-BA99-9637FB64FDCC}"/>
+                <a16:creationId xmlns:a16="http://schemas.microsoft.com/office/drawing/2014/main" id="{ABE94B4E-5C72-495B-B43F-0D2DE018017B}"/>
               </a:ext>
             </a:extLst>
           </p:cNvPr>
@@ -2759,7 +2771,7 @@
     </p:spTree>
     <p:extLst>
       <p:ext uri="{BB962C8B-B14F-4D97-AF65-F5344CB8AC3E}">
-        <p14:creationId xmlns:p14="http://schemas.microsoft.com/office/powerpoint/2010/main" val="2980549801"/>
+        <p14:creationId xmlns:p14="http://schemas.microsoft.com/office/powerpoint/2010/main" val="2623352972"/>
       </p:ext>
     </p:extLst>
   </p:cSld>
@@ -2796,7 +2808,7 @@
           <p:cNvPr id="2" name="Title Placeholder 1">
             <a:extLst>
               <a:ext uri="{FF2B5EF4-FFF2-40B4-BE49-F238E27FC236}">
-                <a16:creationId xmlns:a16="http://schemas.microsoft.com/office/drawing/2014/main" id="{1F950007-CF67-4AC1-94BE-83F8AB867AA5}"/>
+                <a16:creationId xmlns:a16="http://schemas.microsoft.com/office/drawing/2014/main" id="{9F92FA74-EFCA-4007-AC21-F076EDEB5464}"/>
               </a:ext>
             </a:extLst>
           </p:cNvPr>
@@ -2835,7 +2847,7 @@
           <p:cNvPr id="3" name="Text Placeholder 2">
             <a:extLst>
               <a:ext uri="{FF2B5EF4-FFF2-40B4-BE49-F238E27FC236}">
-                <a16:creationId xmlns:a16="http://schemas.microsoft.com/office/drawing/2014/main" id="{AEAA6F82-4695-4629-BC65-CE7E73D76B2E}"/>
+                <a16:creationId xmlns:a16="http://schemas.microsoft.com/office/drawing/2014/main" id="{D96519DE-10B0-41DF-A37C-660346BBC6A7}"/>
               </a:ext>
             </a:extLst>
           </p:cNvPr>
@@ -2903,7 +2915,7 @@
           <p:cNvPr id="4" name="Date Placeholder 3">
             <a:extLst>
               <a:ext uri="{FF2B5EF4-FFF2-40B4-BE49-F238E27FC236}">
-                <a16:creationId xmlns:a16="http://schemas.microsoft.com/office/drawing/2014/main" id="{9E4F6650-3EC8-4A7D-B881-82CDDDA91801}"/>
+                <a16:creationId xmlns:a16="http://schemas.microsoft.com/office/drawing/2014/main" id="{71D2D0CB-DEF9-468B-903A-628EE32F940F}"/>
               </a:ext>
             </a:extLst>
           </p:cNvPr>
@@ -2939,7 +2951,7 @@
           <a:p>
             <a:fld id="{7A7F3FFF-AEC9-4F0C-98F7-13672066DC4A}" type="datetimeFigureOut">
               <a:rPr lang="en-GB" smtClean="0"/>
-              <a:t>31/12/2020</a:t>
+              <a:t>01/01/2021</a:t>
             </a:fld>
             <a:endParaRPr lang="en-GB"/>
           </a:p>
@@ -2950,7 +2962,7 @@
           <p:cNvPr id="5" name="Footer Placeholder 4">
             <a:extLst>
               <a:ext uri="{FF2B5EF4-FFF2-40B4-BE49-F238E27FC236}">
-                <a16:creationId xmlns:a16="http://schemas.microsoft.com/office/drawing/2014/main" id="{BA1B098B-E7E7-4265-A33F-1B372F7BC898}"/>
+                <a16:creationId xmlns:a16="http://schemas.microsoft.com/office/drawing/2014/main" id="{B508B553-C3DA-408A-9F9D-25EE884DFE10}"/>
               </a:ext>
             </a:extLst>
           </p:cNvPr>
@@ -2993,7 +3005,7 @@
           <p:cNvPr id="6" name="Slide Number Placeholder 5">
             <a:extLst>
               <a:ext uri="{FF2B5EF4-FFF2-40B4-BE49-F238E27FC236}">
-                <a16:creationId xmlns:a16="http://schemas.microsoft.com/office/drawing/2014/main" id="{C098350A-A593-4031-86B0-AD223ADA1FF1}"/>
+                <a16:creationId xmlns:a16="http://schemas.microsoft.com/office/drawing/2014/main" id="{4C9C6F03-F436-479D-971C-301F4166887C}"/>
               </a:ext>
             </a:extLst>
           </p:cNvPr>
@@ -3038,23 +3050,23 @@
     </p:spTree>
     <p:extLst>
       <p:ext uri="{BB962C8B-B14F-4D97-AF65-F5344CB8AC3E}">
-        <p14:creationId xmlns:p14="http://schemas.microsoft.com/office/powerpoint/2010/main" val="327045639"/>
+        <p14:creationId xmlns:p14="http://schemas.microsoft.com/office/powerpoint/2010/main" val="4160325211"/>
       </p:ext>
     </p:extLst>
   </p:cSld>
   <p:clrMap bg1="lt1" tx1="dk1" bg2="lt2" tx2="dk2" accent1="accent1" accent2="accent2" accent3="accent3" accent4="accent4" accent5="accent5" accent6="accent6" hlink="hlink" folHlink="folHlink"/>
   <p:sldLayoutIdLst>
-    <p:sldLayoutId id="2147483649" r:id="rId1"/>
-    <p:sldLayoutId id="2147483650" r:id="rId2"/>
-    <p:sldLayoutId id="2147483651" r:id="rId3"/>
-    <p:sldLayoutId id="2147483652" r:id="rId4"/>
-    <p:sldLayoutId id="2147483653" r:id="rId5"/>
-    <p:sldLayoutId id="2147483654" r:id="rId6"/>
-    <p:sldLayoutId id="2147483655" r:id="rId7"/>
-    <p:sldLayoutId id="2147483656" r:id="rId8"/>
-    <p:sldLayoutId id="2147483657" r:id="rId9"/>
-    <p:sldLayoutId id="2147483658" r:id="rId10"/>
-    <p:sldLayoutId id="2147483659" r:id="rId11"/>
+    <p:sldLayoutId id="2147483690" r:id="rId1"/>
+    <p:sldLayoutId id="2147483691" r:id="rId2"/>
+    <p:sldLayoutId id="2147483692" r:id="rId3"/>
+    <p:sldLayoutId id="2147483693" r:id="rId4"/>
+    <p:sldLayoutId id="2147483694" r:id="rId5"/>
+    <p:sldLayoutId id="2147483695" r:id="rId6"/>
+    <p:sldLayoutId id="2147483696" r:id="rId7"/>
+    <p:sldLayoutId id="2147483697" r:id="rId8"/>
+    <p:sldLayoutId id="2147483698" r:id="rId9"/>
+    <p:sldLayoutId id="2147483699" r:id="rId10"/>
+    <p:sldLayoutId id="2147483700" r:id="rId11"/>
   </p:sldLayoutIdLst>
   <p:txStyles>
     <p:titleStyle>
@@ -3564,7 +3576,7 @@
         </p:blipFill>
         <p:spPr>
           <a:xfrm>
-            <a:off x="7915269" y="2179325"/>
+            <a:off x="7931150" y="2086992"/>
             <a:ext cx="3181362" cy="3295461"/>
           </a:xfrm>
           <a:prstGeom prst="rect">
@@ -3615,7 +3627,7 @@
         </p:nvSpPr>
         <p:spPr>
           <a:xfrm>
-            <a:off x="7823199" y="5662884"/>
+            <a:off x="8918569" y="5478218"/>
             <a:ext cx="3273431" cy="369332"/>
           </a:xfrm>
           <a:prstGeom prst="rect">
@@ -3631,7 +3643,7 @@
           <a:p>
             <a:r>
               <a:rPr lang="en-GB" dirty="0"/>
-              <a:t>Sam Jones PhD MSc</a:t>
+              <a:t>Sam Jones</a:t>
             </a:r>
           </a:p>
         </p:txBody>
@@ -3738,6 +3750,14 @@
 <file path=ppt/slides/slide2.xml><?xml version="1.0" encoding="utf-8"?>
 <p:sld xmlns:a="http://schemas.openxmlformats.org/drawingml/2006/main" xmlns:r="http://schemas.openxmlformats.org/officeDocument/2006/relationships" xmlns:p="http://schemas.openxmlformats.org/presentationml/2006/main">
   <p:cSld>
+    <p:bg>
+      <p:bgPr>
+        <a:solidFill>
+          <a:schemeClr val="bg1"/>
+        </a:solidFill>
+        <a:effectLst/>
+      </p:bgPr>
+    </p:bg>
     <p:spTree>
       <p:nvGrpSpPr>
         <p:cNvPr id="1" name=""/>
@@ -3754,10 +3774,10 @@
       </p:grpSpPr>
       <p:sp>
         <p:nvSpPr>
-          <p:cNvPr id="2" name="Title 1">
-            <a:extLst>
-              <a:ext uri="{FF2B5EF4-FFF2-40B4-BE49-F238E27FC236}">
-                <a16:creationId xmlns:a16="http://schemas.microsoft.com/office/drawing/2014/main" id="{AF8E1429-B896-430C-A520-EBF205DC410C}"/>
+          <p:cNvPr id="6" name="Title 5">
+            <a:extLst>
+              <a:ext uri="{FF2B5EF4-FFF2-40B4-BE49-F238E27FC236}">
+                <a16:creationId xmlns:a16="http://schemas.microsoft.com/office/drawing/2014/main" id="{E4B9A03D-BCE9-43E8-AF3E-43371FC5942D}"/>
               </a:ext>
             </a:extLst>
           </p:cNvPr>
@@ -3768,44 +3788,903 @@
             <p:ph type="title"/>
           </p:nvPr>
         </p:nvSpPr>
-        <p:spPr/>
-        <p:txBody>
-          <a:bodyPr/>
-          <a:lstStyle/>
-          <a:p>
+        <p:spPr>
+          <a:xfrm>
+            <a:off x="1458667" y="75979"/>
+            <a:ext cx="3722933" cy="757130"/>
+          </a:xfrm>
+          <a:ln w="25400" cap="sq">
+            <a:solidFill>
+              <a:srgbClr val="FFFFFF"/>
+            </a:solidFill>
+            <a:miter lim="800000"/>
+          </a:ln>
+        </p:spPr>
+        <p:txBody>
+          <a:bodyPr wrap="square">
+            <a:normAutofit/>
+          </a:bodyPr>
+          <a:lstStyle/>
+          <a:p>
+            <a:pPr algn="ctr"/>
+            <a:r>
+              <a:rPr lang="en-GB" sz="2800" b="1" dirty="0"/>
+              <a:t>Provided with data-set…</a:t>
+            </a:r>
+          </a:p>
+        </p:txBody>
+      </p:sp>
+      <p:pic>
+        <p:nvPicPr>
+          <p:cNvPr id="12" name="Picture 11">
+            <a:extLst>
+              <a:ext uri="{FF2B5EF4-FFF2-40B4-BE49-F238E27FC236}">
+                <a16:creationId xmlns:a16="http://schemas.microsoft.com/office/drawing/2014/main" id="{3569C51F-E78F-4801-B114-698C10EAC33D}"/>
+              </a:ext>
+            </a:extLst>
+          </p:cNvPr>
+          <p:cNvPicPr>
+            <a:picLocks noChangeAspect="1"/>
+          </p:cNvPicPr>
+          <p:nvPr/>
+        </p:nvPicPr>
+        <p:blipFill>
+          <a:blip r:embed="rId2"/>
+          <a:stretch>
+            <a:fillRect/>
+          </a:stretch>
+        </p:blipFill>
+        <p:spPr>
+          <a:xfrm>
+            <a:off x="1079720" y="833109"/>
+            <a:ext cx="4342287" cy="1124025"/>
+          </a:xfrm>
+          <a:prstGeom prst="rect">
+            <a:avLst/>
+          </a:prstGeom>
+          <a:solidFill>
+            <a:srgbClr val="C00000">
+              <a:alpha val="13000"/>
+            </a:srgbClr>
+          </a:solidFill>
+          <a:effectLst>
+            <a:reflection blurRad="6350" stA="50000" endA="300" endPos="55000" dir="5400000" sy="-100000" algn="bl" rotWithShape="0"/>
+          </a:effectLst>
+        </p:spPr>
+      </p:pic>
+      <p:sp>
+        <p:nvSpPr>
+          <p:cNvPr id="19" name="TextBox 18">
+            <a:extLst>
+              <a:ext uri="{FF2B5EF4-FFF2-40B4-BE49-F238E27FC236}">
+                <a16:creationId xmlns:a16="http://schemas.microsoft.com/office/drawing/2014/main" id="{36A955B9-7929-4167-AC63-81F4785052F4}"/>
+              </a:ext>
+            </a:extLst>
+          </p:cNvPr>
+          <p:cNvSpPr txBox="1"/>
+          <p:nvPr/>
+        </p:nvSpPr>
+        <p:spPr>
+          <a:xfrm>
+            <a:off x="6382909" y="309889"/>
+            <a:ext cx="2752725" cy="523220"/>
+          </a:xfrm>
+          <a:prstGeom prst="rect">
+            <a:avLst/>
+          </a:prstGeom>
+          <a:noFill/>
+        </p:spPr>
+        <p:txBody>
+          <a:bodyPr wrap="square" rtlCol="0">
+            <a:spAutoFit/>
+          </a:bodyPr>
+          <a:lstStyle/>
+          <a:p>
+            <a:r>
+              <a:rPr lang="en-GB" sz="2800" dirty="0">
+                <a:latin typeface="+mj-lt"/>
+              </a:rPr>
+              <a:t>Task: </a:t>
+            </a:r>
+          </a:p>
+        </p:txBody>
+      </p:sp>
+      <p:sp>
+        <p:nvSpPr>
+          <p:cNvPr id="28" name="TextBox 27">
+            <a:extLst>
+              <a:ext uri="{FF2B5EF4-FFF2-40B4-BE49-F238E27FC236}">
+                <a16:creationId xmlns:a16="http://schemas.microsoft.com/office/drawing/2014/main" id="{6683649F-C280-47DD-8578-49ACE10EC018}"/>
+              </a:ext>
+            </a:extLst>
+          </p:cNvPr>
+          <p:cNvSpPr txBox="1"/>
+          <p:nvPr/>
+        </p:nvSpPr>
+        <p:spPr>
+          <a:xfrm>
+            <a:off x="6275069" y="950064"/>
+            <a:ext cx="5721130" cy="1666354"/>
+          </a:xfrm>
+          <a:prstGeom prst="rect">
+            <a:avLst/>
+          </a:prstGeom>
+          <a:noFill/>
+        </p:spPr>
+        <p:txBody>
+          <a:bodyPr wrap="square">
+            <a:spAutoFit/>
+          </a:bodyPr>
+          <a:lstStyle/>
+          <a:p>
+            <a:pPr>
+              <a:lnSpc>
+                <a:spcPct val="115000"/>
+              </a:lnSpc>
+              <a:spcAft>
+                <a:spcPts val="1000"/>
+              </a:spcAft>
+            </a:pPr>
+            <a:r>
+              <a:rPr lang="en-GB" sz="1800" dirty="0">
+                <a:effectLst/>
+                <a:latin typeface="Calibri" panose="020F0502020204030204" pitchFamily="34" charset="0"/>
+                <a:ea typeface="Calibri" panose="020F0502020204030204" pitchFamily="34" charset="0"/>
+                <a:cs typeface="Calibri" panose="020F0502020204030204" pitchFamily="34" charset="0"/>
+              </a:rPr>
+              <a:t>“After a graphical analysis of the data, please provide the methodology you would use to build a PKPD model that helps understand the interaction between A and B. How would you then use this model to assess the efficacy of the combination in patients?”</a:t>
+            </a:r>
+            <a:endParaRPr lang="en-GB" sz="1800" dirty="0">
+              <a:effectLst/>
+              <a:latin typeface="Calibri" panose="020F0502020204030204" pitchFamily="34" charset="0"/>
+              <a:ea typeface="Times New Roman" panose="02020603050405020304" pitchFamily="18" charset="0"/>
+              <a:cs typeface="Times New Roman" panose="02020603050405020304" pitchFamily="18" charset="0"/>
+            </a:endParaRPr>
+          </a:p>
+        </p:txBody>
+      </p:sp>
+      <p:sp>
+        <p:nvSpPr>
+          <p:cNvPr id="27" name="Rectangle 26">
+            <a:extLst>
+              <a:ext uri="{FF2B5EF4-FFF2-40B4-BE49-F238E27FC236}">
+                <a16:creationId xmlns:a16="http://schemas.microsoft.com/office/drawing/2014/main" id="{E3963505-936B-405E-A497-6DDE5CFA28CC}"/>
+              </a:ext>
+            </a:extLst>
+          </p:cNvPr>
+          <p:cNvSpPr/>
+          <p:nvPr/>
+        </p:nvSpPr>
+        <p:spPr>
+          <a:xfrm>
+            <a:off x="241520" y="2969817"/>
+            <a:ext cx="1828800" cy="757130"/>
+          </a:xfrm>
+          <a:prstGeom prst="rect">
+            <a:avLst/>
+          </a:prstGeom>
+        </p:spPr>
+        <p:style>
+          <a:lnRef idx="2">
+            <a:schemeClr val="dk1"/>
+          </a:lnRef>
+          <a:fillRef idx="1">
+            <a:schemeClr val="lt1"/>
+          </a:fillRef>
+          <a:effectRef idx="0">
+            <a:schemeClr val="dk1"/>
+          </a:effectRef>
+          <a:fontRef idx="minor">
+            <a:schemeClr val="dk1"/>
+          </a:fontRef>
+        </p:style>
+        <p:txBody>
+          <a:bodyPr rtlCol="0" anchor="ctr"/>
+          <a:lstStyle/>
+          <a:p>
+            <a:pPr algn="ctr"/>
             <a:r>
               <a:rPr lang="en-GB" dirty="0"/>
-              <a:t>Task</a:t>
-            </a:r>
-            <a:br>
+              <a:t>Study 1</a:t>
+            </a:r>
+          </a:p>
+        </p:txBody>
+      </p:sp>
+      <p:sp>
+        <p:nvSpPr>
+          <p:cNvPr id="32" name="Rectangle 31">
+            <a:extLst>
+              <a:ext uri="{FF2B5EF4-FFF2-40B4-BE49-F238E27FC236}">
+                <a16:creationId xmlns:a16="http://schemas.microsoft.com/office/drawing/2014/main" id="{9D90B5DB-72FD-45D7-9486-3850DF57EF71}"/>
+              </a:ext>
+            </a:extLst>
+          </p:cNvPr>
+          <p:cNvSpPr/>
+          <p:nvPr/>
+        </p:nvSpPr>
+        <p:spPr>
+          <a:xfrm>
+            <a:off x="2260820" y="2969817"/>
+            <a:ext cx="1828800" cy="757130"/>
+          </a:xfrm>
+          <a:prstGeom prst="rect">
+            <a:avLst/>
+          </a:prstGeom>
+        </p:spPr>
+        <p:style>
+          <a:lnRef idx="2">
+            <a:schemeClr val="dk1"/>
+          </a:lnRef>
+          <a:fillRef idx="1">
+            <a:schemeClr val="lt1"/>
+          </a:fillRef>
+          <a:effectRef idx="0">
+            <a:schemeClr val="dk1"/>
+          </a:effectRef>
+          <a:fontRef idx="minor">
+            <a:schemeClr val="dk1"/>
+          </a:fontRef>
+        </p:style>
+        <p:txBody>
+          <a:bodyPr rtlCol="0" anchor="ctr"/>
+          <a:lstStyle/>
+          <a:p>
+            <a:pPr algn="ctr"/>
+            <a:r>
               <a:rPr lang="en-GB" dirty="0"/>
-            </a:br>
-            <a:endParaRPr lang="en-GB" dirty="0"/>
-          </a:p>
-        </p:txBody>
-      </p:sp>
-      <p:sp>
-        <p:nvSpPr>
-          <p:cNvPr id="3" name="Content Placeholder 2">
-            <a:extLst>
-              <a:ext uri="{FF2B5EF4-FFF2-40B4-BE49-F238E27FC236}">
-                <a16:creationId xmlns:a16="http://schemas.microsoft.com/office/drawing/2014/main" id="{982D73A6-5DB2-4490-A1CD-F42CE616B5A0}"/>
-              </a:ext>
-            </a:extLst>
-          </p:cNvPr>
-          <p:cNvSpPr>
-            <a:spLocks noGrp="1"/>
-          </p:cNvSpPr>
-          <p:nvPr>
-            <p:ph idx="1"/>
-          </p:nvPr>
-        </p:nvSpPr>
-        <p:spPr/>
-        <p:txBody>
-          <a:bodyPr/>
-          <a:lstStyle/>
-          <a:p>
-            <a:endParaRPr lang="en-GB" dirty="0"/>
+              <a:t>Study 2</a:t>
+            </a:r>
+          </a:p>
+        </p:txBody>
+      </p:sp>
+      <p:sp>
+        <p:nvSpPr>
+          <p:cNvPr id="34" name="Rectangle 33">
+            <a:extLst>
+              <a:ext uri="{FF2B5EF4-FFF2-40B4-BE49-F238E27FC236}">
+                <a16:creationId xmlns:a16="http://schemas.microsoft.com/office/drawing/2014/main" id="{CE4A3252-3C22-4C55-B765-58F7EC27A1CA}"/>
+              </a:ext>
+            </a:extLst>
+          </p:cNvPr>
+          <p:cNvSpPr/>
+          <p:nvPr/>
+        </p:nvSpPr>
+        <p:spPr>
+          <a:xfrm>
+            <a:off x="4267200" y="2969817"/>
+            <a:ext cx="1828800" cy="757130"/>
+          </a:xfrm>
+          <a:prstGeom prst="rect">
+            <a:avLst/>
+          </a:prstGeom>
+        </p:spPr>
+        <p:style>
+          <a:lnRef idx="2">
+            <a:schemeClr val="dk1"/>
+          </a:lnRef>
+          <a:fillRef idx="1">
+            <a:schemeClr val="lt1"/>
+          </a:fillRef>
+          <a:effectRef idx="0">
+            <a:schemeClr val="dk1"/>
+          </a:effectRef>
+          <a:fontRef idx="minor">
+            <a:schemeClr val="dk1"/>
+          </a:fontRef>
+        </p:style>
+        <p:txBody>
+          <a:bodyPr rtlCol="0" anchor="ctr"/>
+          <a:lstStyle/>
+          <a:p>
+            <a:pPr algn="ctr"/>
+            <a:r>
+              <a:rPr lang="en-GB" dirty="0"/>
+              <a:t>Study 3</a:t>
+            </a:r>
+          </a:p>
+        </p:txBody>
+      </p:sp>
+      <p:pic>
+        <p:nvPicPr>
+          <p:cNvPr id="1026" name="Picture 2" descr="Free Cartoon Mice, Download Free Clip Art, Free Clip Art on Clipart Library">
+            <a:extLst>
+              <a:ext uri="{FF2B5EF4-FFF2-40B4-BE49-F238E27FC236}">
+                <a16:creationId xmlns:a16="http://schemas.microsoft.com/office/drawing/2014/main" id="{4C6C7020-0E5F-4AE9-9CEA-9A591605E16D}"/>
+              </a:ext>
+            </a:extLst>
+          </p:cNvPr>
+          <p:cNvPicPr>
+            <a:picLocks noChangeAspect="1" noChangeArrowheads="1"/>
+          </p:cNvPicPr>
+          <p:nvPr/>
+        </p:nvPicPr>
+        <p:blipFill>
+          <a:blip r:embed="rId3">
+            <a:extLst>
+              <a:ext uri="{28A0092B-C50C-407E-A947-70E740481C1C}">
+                <a14:useLocalDpi xmlns:a14="http://schemas.microsoft.com/office/drawing/2010/main" val="0"/>
+              </a:ext>
+            </a:extLst>
+          </a:blip>
+          <a:srcRect/>
+          <a:stretch>
+            <a:fillRect/>
+          </a:stretch>
+        </p:blipFill>
+        <p:spPr bwMode="auto">
+          <a:xfrm>
+            <a:off x="159960" y="2006154"/>
+            <a:ext cx="858862" cy="847461"/>
+          </a:xfrm>
+          <a:prstGeom prst="rect">
+            <a:avLst/>
+          </a:prstGeom>
+          <a:noFill/>
+          <a:extLst>
+            <a:ext uri="{909E8E84-426E-40DD-AFC4-6F175D3DCCD1}">
+              <a14:hiddenFill xmlns:a14="http://schemas.microsoft.com/office/drawing/2010/main">
+                <a:solidFill>
+                  <a:srgbClr val="FFFFFF"/>
+                </a:solidFill>
+              </a14:hiddenFill>
+            </a:ext>
+          </a:extLst>
+        </p:spPr>
+      </p:pic>
+      <p:sp>
+        <p:nvSpPr>
+          <p:cNvPr id="30" name="TextBox 29">
+            <a:extLst>
+              <a:ext uri="{FF2B5EF4-FFF2-40B4-BE49-F238E27FC236}">
+                <a16:creationId xmlns:a16="http://schemas.microsoft.com/office/drawing/2014/main" id="{48E7A8E8-4770-4180-A8CF-9574B24F1EC1}"/>
+              </a:ext>
+            </a:extLst>
+          </p:cNvPr>
+          <p:cNvSpPr txBox="1"/>
+          <p:nvPr/>
+        </p:nvSpPr>
+        <p:spPr>
+          <a:xfrm>
+            <a:off x="1079720" y="2484283"/>
+            <a:ext cx="4576381" cy="369332"/>
+          </a:xfrm>
+          <a:prstGeom prst="rect">
+            <a:avLst/>
+          </a:prstGeom>
+          <a:noFill/>
+        </p:spPr>
+        <p:txBody>
+          <a:bodyPr wrap="none" rtlCol="0">
+            <a:spAutoFit/>
+          </a:bodyPr>
+          <a:lstStyle/>
+          <a:p>
+            <a:r>
+              <a:rPr lang="en-GB" dirty="0"/>
+              <a:t>Murine data – experiments conducted on mice</a:t>
+            </a:r>
+          </a:p>
+        </p:txBody>
+      </p:sp>
+      <p:sp>
+        <p:nvSpPr>
+          <p:cNvPr id="35" name="Cylinder 34">
+            <a:extLst>
+              <a:ext uri="{FF2B5EF4-FFF2-40B4-BE49-F238E27FC236}">
+                <a16:creationId xmlns:a16="http://schemas.microsoft.com/office/drawing/2014/main" id="{F753C695-B202-4128-962B-D2E3E47FEF9E}"/>
+              </a:ext>
+            </a:extLst>
+          </p:cNvPr>
+          <p:cNvSpPr/>
+          <p:nvPr/>
+        </p:nvSpPr>
+        <p:spPr>
+          <a:xfrm>
+            <a:off x="522009" y="3866298"/>
+            <a:ext cx="1297265" cy="757130"/>
+          </a:xfrm>
+          <a:prstGeom prst="can">
+            <a:avLst/>
+          </a:prstGeom>
+        </p:spPr>
+        <p:style>
+          <a:lnRef idx="2">
+            <a:schemeClr val="accent1">
+              <a:shade val="50000"/>
+            </a:schemeClr>
+          </a:lnRef>
+          <a:fillRef idx="1">
+            <a:schemeClr val="accent1"/>
+          </a:fillRef>
+          <a:effectRef idx="0">
+            <a:schemeClr val="accent1"/>
+          </a:effectRef>
+          <a:fontRef idx="minor">
+            <a:schemeClr val="lt1"/>
+          </a:fontRef>
+        </p:style>
+        <p:txBody>
+          <a:bodyPr rtlCol="0" anchor="ctr"/>
+          <a:lstStyle/>
+          <a:p>
+            <a:pPr algn="ctr"/>
+            <a:r>
+              <a:rPr lang="en-GB" dirty="0"/>
+              <a:t>Compound A</a:t>
+            </a:r>
+          </a:p>
+        </p:txBody>
+      </p:sp>
+      <p:sp>
+        <p:nvSpPr>
+          <p:cNvPr id="37" name="Cylinder 36">
+            <a:extLst>
+              <a:ext uri="{FF2B5EF4-FFF2-40B4-BE49-F238E27FC236}">
+                <a16:creationId xmlns:a16="http://schemas.microsoft.com/office/drawing/2014/main" id="{45A21555-0869-4CF6-B196-293149CD4C9A}"/>
+              </a:ext>
+            </a:extLst>
+          </p:cNvPr>
+          <p:cNvSpPr/>
+          <p:nvPr/>
+        </p:nvSpPr>
+        <p:spPr>
+          <a:xfrm>
+            <a:off x="2526587" y="3866298"/>
+            <a:ext cx="1297265" cy="757130"/>
+          </a:xfrm>
+          <a:prstGeom prst="can">
+            <a:avLst/>
+          </a:prstGeom>
+        </p:spPr>
+        <p:style>
+          <a:lnRef idx="2">
+            <a:schemeClr val="accent2">
+              <a:shade val="50000"/>
+            </a:schemeClr>
+          </a:lnRef>
+          <a:fillRef idx="1">
+            <a:schemeClr val="accent2"/>
+          </a:fillRef>
+          <a:effectRef idx="0">
+            <a:schemeClr val="accent2"/>
+          </a:effectRef>
+          <a:fontRef idx="minor">
+            <a:schemeClr val="lt1"/>
+          </a:fontRef>
+        </p:style>
+        <p:txBody>
+          <a:bodyPr rtlCol="0" anchor="ctr"/>
+          <a:lstStyle/>
+          <a:p>
+            <a:pPr algn="ctr"/>
+            <a:r>
+              <a:rPr lang="en-GB" dirty="0"/>
+              <a:t>Compound B</a:t>
+            </a:r>
+          </a:p>
+        </p:txBody>
+      </p:sp>
+      <p:sp>
+        <p:nvSpPr>
+          <p:cNvPr id="39" name="Cylinder 38">
+            <a:extLst>
+              <a:ext uri="{FF2B5EF4-FFF2-40B4-BE49-F238E27FC236}">
+                <a16:creationId xmlns:a16="http://schemas.microsoft.com/office/drawing/2014/main" id="{9E67E846-8C07-4142-958F-763E23BE2958}"/>
+              </a:ext>
+            </a:extLst>
+          </p:cNvPr>
+          <p:cNvSpPr/>
+          <p:nvPr/>
+        </p:nvSpPr>
+        <p:spPr>
+          <a:xfrm>
+            <a:off x="4531165" y="4447323"/>
+            <a:ext cx="1297265" cy="757130"/>
+          </a:xfrm>
+          <a:prstGeom prst="can">
+            <a:avLst/>
+          </a:prstGeom>
+        </p:spPr>
+        <p:style>
+          <a:lnRef idx="2">
+            <a:schemeClr val="accent2">
+              <a:shade val="50000"/>
+            </a:schemeClr>
+          </a:lnRef>
+          <a:fillRef idx="1">
+            <a:schemeClr val="accent2"/>
+          </a:fillRef>
+          <a:effectRef idx="0">
+            <a:schemeClr val="accent2"/>
+          </a:effectRef>
+          <a:fontRef idx="minor">
+            <a:schemeClr val="lt1"/>
+          </a:fontRef>
+        </p:style>
+        <p:txBody>
+          <a:bodyPr rtlCol="0" anchor="ctr"/>
+          <a:lstStyle/>
+          <a:p>
+            <a:pPr algn="ctr"/>
+            <a:r>
+              <a:rPr lang="en-GB" dirty="0"/>
+              <a:t>Compound B</a:t>
+            </a:r>
+          </a:p>
+        </p:txBody>
+      </p:sp>
+      <p:sp>
+        <p:nvSpPr>
+          <p:cNvPr id="38" name="Cylinder 37">
+            <a:extLst>
+              <a:ext uri="{FF2B5EF4-FFF2-40B4-BE49-F238E27FC236}">
+                <a16:creationId xmlns:a16="http://schemas.microsoft.com/office/drawing/2014/main" id="{46FF4FDC-7D46-4E80-AB87-085293F7D306}"/>
+              </a:ext>
+            </a:extLst>
+          </p:cNvPr>
+          <p:cNvSpPr/>
+          <p:nvPr/>
+        </p:nvSpPr>
+        <p:spPr>
+          <a:xfrm>
+            <a:off x="4531165" y="3876102"/>
+            <a:ext cx="1297265" cy="757130"/>
+          </a:xfrm>
+          <a:prstGeom prst="can">
+            <a:avLst/>
+          </a:prstGeom>
+        </p:spPr>
+        <p:style>
+          <a:lnRef idx="2">
+            <a:schemeClr val="accent1">
+              <a:shade val="50000"/>
+            </a:schemeClr>
+          </a:lnRef>
+          <a:fillRef idx="1">
+            <a:schemeClr val="accent1"/>
+          </a:fillRef>
+          <a:effectRef idx="0">
+            <a:schemeClr val="accent1"/>
+          </a:effectRef>
+          <a:fontRef idx="minor">
+            <a:schemeClr val="lt1"/>
+          </a:fontRef>
+        </p:style>
+        <p:txBody>
+          <a:bodyPr rtlCol="0" anchor="ctr"/>
+          <a:lstStyle/>
+          <a:p>
+            <a:pPr algn="ctr"/>
+            <a:r>
+              <a:rPr lang="en-GB" dirty="0"/>
+              <a:t>Compound A</a:t>
+            </a:r>
+          </a:p>
+        </p:txBody>
+      </p:sp>
+      <p:sp>
+        <p:nvSpPr>
+          <p:cNvPr id="36" name="TextBox 35">
+            <a:extLst>
+              <a:ext uri="{FF2B5EF4-FFF2-40B4-BE49-F238E27FC236}">
+                <a16:creationId xmlns:a16="http://schemas.microsoft.com/office/drawing/2014/main" id="{489A8ECA-82C8-4394-BA38-37307C59A988}"/>
+              </a:ext>
+            </a:extLst>
+          </p:cNvPr>
+          <p:cNvSpPr txBox="1"/>
+          <p:nvPr/>
+        </p:nvSpPr>
+        <p:spPr>
+          <a:xfrm>
+            <a:off x="522996" y="5290583"/>
+            <a:ext cx="5133105" cy="1477328"/>
+          </a:xfrm>
+          <a:prstGeom prst="rect">
+            <a:avLst/>
+          </a:prstGeom>
+          <a:noFill/>
+        </p:spPr>
+        <p:txBody>
+          <a:bodyPr wrap="square" rtlCol="0">
+            <a:spAutoFit/>
+          </a:bodyPr>
+          <a:lstStyle/>
+          <a:p>
+            <a:r>
+              <a:rPr lang="en-GB" dirty="0"/>
+              <a:t>4 doses given of each drug: 0h, 24h, 48h, 72h</a:t>
+            </a:r>
+          </a:p>
+          <a:p>
+            <a:r>
+              <a:rPr lang="en-GB" dirty="0"/>
+              <a:t>Measured:</a:t>
+            </a:r>
+          </a:p>
+          <a:p>
+            <a:pPr marL="285750" indent="-285750">
+              <a:buFont typeface="Arial" panose="020B0604020202020204" pitchFamily="34" charset="0"/>
+              <a:buChar char="•"/>
+            </a:pPr>
+            <a:r>
+              <a:rPr lang="en-GB" dirty="0"/>
+              <a:t>Drug concentration </a:t>
+            </a:r>
+          </a:p>
+          <a:p>
+            <a:pPr marL="285750" indent="-285750">
+              <a:buFont typeface="Arial" panose="020B0604020202020204" pitchFamily="34" charset="0"/>
+              <a:buChar char="•"/>
+            </a:pPr>
+            <a:r>
+              <a:rPr lang="en-GB" dirty="0"/>
+              <a:t>Response (change in number of parasitized erythrocytes)</a:t>
+            </a:r>
+          </a:p>
+        </p:txBody>
+      </p:sp>
+      <p:sp>
+        <p:nvSpPr>
+          <p:cNvPr id="40" name="Rectangle: Rounded Corners 39">
+            <a:extLst>
+              <a:ext uri="{FF2B5EF4-FFF2-40B4-BE49-F238E27FC236}">
+                <a16:creationId xmlns:a16="http://schemas.microsoft.com/office/drawing/2014/main" id="{17D8DBA0-1846-4FDB-AF76-CCBDC2A11894}"/>
+              </a:ext>
+            </a:extLst>
+          </p:cNvPr>
+          <p:cNvSpPr/>
+          <p:nvPr/>
+        </p:nvSpPr>
+        <p:spPr>
+          <a:xfrm>
+            <a:off x="6600819" y="2722167"/>
+            <a:ext cx="5019675" cy="659208"/>
+          </a:xfrm>
+          <a:prstGeom prst="roundRect">
+            <a:avLst/>
+          </a:prstGeom>
+          <a:solidFill>
+            <a:schemeClr val="accent5"/>
+          </a:solidFill>
+          <a:ln>
+            <a:noFill/>
+          </a:ln>
+        </p:spPr>
+        <p:style>
+          <a:lnRef idx="0">
+            <a:scrgbClr r="0" g="0" b="0"/>
+          </a:lnRef>
+          <a:fillRef idx="0">
+            <a:scrgbClr r="0" g="0" b="0"/>
+          </a:fillRef>
+          <a:effectRef idx="0">
+            <a:scrgbClr r="0" g="0" b="0"/>
+          </a:effectRef>
+          <a:fontRef idx="minor">
+            <a:schemeClr val="lt1"/>
+          </a:fontRef>
+        </p:style>
+        <p:txBody>
+          <a:bodyPr rtlCol="0" anchor="ctr"/>
+          <a:lstStyle/>
+          <a:p>
+            <a:pPr algn="ctr"/>
+            <a:r>
+              <a:rPr lang="en-GB" dirty="0"/>
+              <a:t>Clean up the data</a:t>
+            </a:r>
+          </a:p>
+        </p:txBody>
+      </p:sp>
+      <p:sp>
+        <p:nvSpPr>
+          <p:cNvPr id="42" name="Rectangle: Rounded Corners 41">
+            <a:extLst>
+              <a:ext uri="{FF2B5EF4-FFF2-40B4-BE49-F238E27FC236}">
+                <a16:creationId xmlns:a16="http://schemas.microsoft.com/office/drawing/2014/main" id="{D459513D-889C-402A-A5C5-EEE0B8F47452}"/>
+              </a:ext>
+            </a:extLst>
+          </p:cNvPr>
+          <p:cNvSpPr/>
+          <p:nvPr/>
+        </p:nvSpPr>
+        <p:spPr>
+          <a:xfrm>
+            <a:off x="6625796" y="3536694"/>
+            <a:ext cx="5019675" cy="659208"/>
+          </a:xfrm>
+          <a:prstGeom prst="roundRect">
+            <a:avLst/>
+          </a:prstGeom>
+          <a:solidFill>
+            <a:schemeClr val="accent5"/>
+          </a:solidFill>
+          <a:ln>
+            <a:noFill/>
+          </a:ln>
+        </p:spPr>
+        <p:style>
+          <a:lnRef idx="0">
+            <a:scrgbClr r="0" g="0" b="0"/>
+          </a:lnRef>
+          <a:fillRef idx="0">
+            <a:scrgbClr r="0" g="0" b="0"/>
+          </a:fillRef>
+          <a:effectRef idx="0">
+            <a:scrgbClr r="0" g="0" b="0"/>
+          </a:effectRef>
+          <a:fontRef idx="minor">
+            <a:schemeClr val="lt1"/>
+          </a:fontRef>
+        </p:style>
+        <p:txBody>
+          <a:bodyPr rtlCol="0" anchor="ctr"/>
+          <a:lstStyle/>
+          <a:p>
+            <a:pPr algn="ctr"/>
+            <a:r>
+              <a:rPr lang="en-GB" dirty="0"/>
+              <a:t>Visualize concentration and response</a:t>
+            </a:r>
+          </a:p>
+        </p:txBody>
+      </p:sp>
+      <p:sp>
+        <p:nvSpPr>
+          <p:cNvPr id="43" name="Rectangle: Rounded Corners 42">
+            <a:extLst>
+              <a:ext uri="{FF2B5EF4-FFF2-40B4-BE49-F238E27FC236}">
+                <a16:creationId xmlns:a16="http://schemas.microsoft.com/office/drawing/2014/main" id="{F8C0F581-0E78-427D-B9B4-B30A81CFA931}"/>
+              </a:ext>
+            </a:extLst>
+          </p:cNvPr>
+          <p:cNvSpPr/>
+          <p:nvPr/>
+        </p:nvSpPr>
+        <p:spPr>
+          <a:xfrm>
+            <a:off x="6650316" y="4303628"/>
+            <a:ext cx="5019675" cy="659208"/>
+          </a:xfrm>
+          <a:prstGeom prst="roundRect">
+            <a:avLst/>
+          </a:prstGeom>
+          <a:solidFill>
+            <a:schemeClr val="accent5"/>
+          </a:solidFill>
+          <a:ln>
+            <a:noFill/>
+          </a:ln>
+        </p:spPr>
+        <p:style>
+          <a:lnRef idx="0">
+            <a:scrgbClr r="0" g="0" b="0"/>
+          </a:lnRef>
+          <a:fillRef idx="0">
+            <a:scrgbClr r="0" g="0" b="0"/>
+          </a:fillRef>
+          <a:effectRef idx="0">
+            <a:scrgbClr r="0" g="0" b="0"/>
+          </a:effectRef>
+          <a:fontRef idx="minor">
+            <a:schemeClr val="lt1"/>
+          </a:fontRef>
+        </p:style>
+        <p:txBody>
+          <a:bodyPr rtlCol="0" anchor="ctr"/>
+          <a:lstStyle/>
+          <a:p>
+            <a:pPr algn="ctr"/>
+            <a:r>
+              <a:rPr lang="en-GB" dirty="0"/>
+              <a:t>Build pharmacokinetic models to describe drug concentration</a:t>
+            </a:r>
+          </a:p>
+        </p:txBody>
+      </p:sp>
+      <p:sp>
+        <p:nvSpPr>
+          <p:cNvPr id="44" name="Rectangle: Rounded Corners 43">
+            <a:extLst>
+              <a:ext uri="{FF2B5EF4-FFF2-40B4-BE49-F238E27FC236}">
+                <a16:creationId xmlns:a16="http://schemas.microsoft.com/office/drawing/2014/main" id="{02ACAFFC-1255-47D4-9237-AE994EB8F0F7}"/>
+              </a:ext>
+            </a:extLst>
+          </p:cNvPr>
+          <p:cNvSpPr/>
+          <p:nvPr/>
+        </p:nvSpPr>
+        <p:spPr>
+          <a:xfrm>
+            <a:off x="6610344" y="5116178"/>
+            <a:ext cx="5019675" cy="659208"/>
+          </a:xfrm>
+          <a:prstGeom prst="roundRect">
+            <a:avLst/>
+          </a:prstGeom>
+          <a:solidFill>
+            <a:schemeClr val="accent5"/>
+          </a:solidFill>
+          <a:ln>
+            <a:noFill/>
+          </a:ln>
+        </p:spPr>
+        <p:style>
+          <a:lnRef idx="0">
+            <a:scrgbClr r="0" g="0" b="0"/>
+          </a:lnRef>
+          <a:fillRef idx="0">
+            <a:scrgbClr r="0" g="0" b="0"/>
+          </a:fillRef>
+          <a:effectRef idx="0">
+            <a:scrgbClr r="0" g="0" b="0"/>
+          </a:effectRef>
+          <a:fontRef idx="minor">
+            <a:schemeClr val="lt1"/>
+          </a:fontRef>
+        </p:style>
+        <p:txBody>
+          <a:bodyPr rtlCol="0" anchor="ctr"/>
+          <a:lstStyle/>
+          <a:p>
+            <a:pPr algn="ctr"/>
+            <a:r>
+              <a:rPr lang="en-GB" dirty="0"/>
+              <a:t>Build pharmacodynamic models to describe drug response</a:t>
+            </a:r>
+          </a:p>
+        </p:txBody>
+      </p:sp>
+      <p:sp>
+        <p:nvSpPr>
+          <p:cNvPr id="45" name="Rectangle: Rounded Corners 44">
+            <a:extLst>
+              <a:ext uri="{FF2B5EF4-FFF2-40B4-BE49-F238E27FC236}">
+                <a16:creationId xmlns:a16="http://schemas.microsoft.com/office/drawing/2014/main" id="{2E9C91DC-D009-4E49-B380-45DCB6124F42}"/>
+              </a:ext>
+            </a:extLst>
+          </p:cNvPr>
+          <p:cNvSpPr/>
+          <p:nvPr/>
+        </p:nvSpPr>
+        <p:spPr>
+          <a:xfrm>
+            <a:off x="6600818" y="5907936"/>
+            <a:ext cx="5019675" cy="780332"/>
+          </a:xfrm>
+          <a:prstGeom prst="roundRect">
+            <a:avLst/>
+          </a:prstGeom>
+          <a:solidFill>
+            <a:schemeClr val="accent5"/>
+          </a:solidFill>
+          <a:ln>
+            <a:noFill/>
+          </a:ln>
+        </p:spPr>
+        <p:style>
+          <a:lnRef idx="0">
+            <a:scrgbClr r="0" g="0" b="0"/>
+          </a:lnRef>
+          <a:fillRef idx="0">
+            <a:scrgbClr r="0" g="0" b="0"/>
+          </a:fillRef>
+          <a:effectRef idx="0">
+            <a:scrgbClr r="0" g="0" b="0"/>
+          </a:effectRef>
+          <a:fontRef idx="minor">
+            <a:schemeClr val="lt1"/>
+          </a:fontRef>
+        </p:style>
+        <p:txBody>
+          <a:bodyPr rtlCol="0" anchor="ctr"/>
+          <a:lstStyle/>
+          <a:p>
+            <a:pPr algn="ctr"/>
+            <a:r>
+              <a:rPr lang="en-GB" dirty="0"/>
+              <a:t>Use a combined PK/PD model to predict the outcome of combination therapy in human patients</a:t>
+            </a:r>
           </a:p>
         </p:txBody>
       </p:sp>
@@ -4061,6 +4940,12 @@
             <a:r>
               <a:rPr lang="en-GB" dirty="0"/>
               <a:t>Relate back to data </a:t>
+            </a:r>
+          </a:p>
+          <a:p>
+            <a:r>
+              <a:rPr lang="en-GB" dirty="0"/>
+              <a:t>LLOQ </a:t>
             </a:r>
           </a:p>
         </p:txBody>
